--- a/PCS24-19/project_ppt2.pptx
+++ b/PCS24-19/project_ppt2.pptx
@@ -207,7 +207,7 @@
           <a:p>
             <a:fld id="{E13B6DE8-89EB-4910-BE6E-A1D1FF0DA414}" type="datetimeFigureOut">
               <a:rPr lang="en-IN" smtClean="0"/>
-              <a:t>26-12-2023</a:t>
+              <a:t>09-03-2024</a:t>
             </a:fld>
             <a:endParaRPr lang="en-IN"/>
           </a:p>
@@ -663,7 +663,7 @@
           <a:p>
             <a:fld id="{AED75D64-2596-4CD3-88B1-63A1A557245C}" type="datetimeFigureOut">
               <a:rPr lang="en-IN" smtClean="0"/>
-              <a:t>26-12-2023</a:t>
+              <a:t>09-03-2024</a:t>
             </a:fld>
             <a:endParaRPr lang="en-IN"/>
           </a:p>
@@ -1001,7 +1001,7 @@
           <a:p>
             <a:fld id="{AED75D64-2596-4CD3-88B1-63A1A557245C}" type="datetimeFigureOut">
               <a:rPr lang="en-IN" smtClean="0"/>
-              <a:t>26-12-2023</a:t>
+              <a:t>09-03-2024</a:t>
             </a:fld>
             <a:endParaRPr lang="en-IN"/>
           </a:p>
@@ -1402,7 +1402,7 @@
           <a:p>
             <a:fld id="{AED75D64-2596-4CD3-88B1-63A1A557245C}" type="datetimeFigureOut">
               <a:rPr lang="en-IN" smtClean="0"/>
-              <a:t>26-12-2023</a:t>
+              <a:t>09-03-2024</a:t>
             </a:fld>
             <a:endParaRPr lang="en-IN"/>
           </a:p>
@@ -1738,7 +1738,7 @@
           <a:p>
             <a:fld id="{AED75D64-2596-4CD3-88B1-63A1A557245C}" type="datetimeFigureOut">
               <a:rPr lang="en-IN" smtClean="0"/>
-              <a:t>26-12-2023</a:t>
+              <a:t>09-03-2024</a:t>
             </a:fld>
             <a:endParaRPr lang="en-IN"/>
           </a:p>
@@ -2058,7 +2058,7 @@
           <a:p>
             <a:fld id="{AED75D64-2596-4CD3-88B1-63A1A557245C}" type="datetimeFigureOut">
               <a:rPr lang="en-IN" smtClean="0"/>
-              <a:t>26-12-2023</a:t>
+              <a:t>09-03-2024</a:t>
             </a:fld>
             <a:endParaRPr lang="en-IN"/>
           </a:p>
@@ -2454,7 +2454,7 @@
           <a:p>
             <a:fld id="{AED75D64-2596-4CD3-88B1-63A1A557245C}" type="datetimeFigureOut">
               <a:rPr lang="en-IN" smtClean="0"/>
-              <a:t>26-12-2023</a:t>
+              <a:t>09-03-2024</a:t>
             </a:fld>
             <a:endParaRPr lang="en-IN"/>
           </a:p>
@@ -2711,7 +2711,7 @@
           <a:p>
             <a:fld id="{AED75D64-2596-4CD3-88B1-63A1A557245C}" type="datetimeFigureOut">
               <a:rPr lang="en-IN" smtClean="0"/>
-              <a:t>26-12-2023</a:t>
+              <a:t>09-03-2024</a:t>
             </a:fld>
             <a:endParaRPr lang="en-IN"/>
           </a:p>
@@ -2973,7 +2973,7 @@
           <a:p>
             <a:fld id="{AED75D64-2596-4CD3-88B1-63A1A557245C}" type="datetimeFigureOut">
               <a:rPr lang="en-IN" smtClean="0"/>
-              <a:t>26-12-2023</a:t>
+              <a:t>09-03-2024</a:t>
             </a:fld>
             <a:endParaRPr lang="en-IN"/>
           </a:p>
@@ -3235,7 +3235,7 @@
           <a:p>
             <a:fld id="{AED75D64-2596-4CD3-88B1-63A1A557245C}" type="datetimeFigureOut">
               <a:rPr lang="en-IN" smtClean="0"/>
-              <a:t>26-12-2023</a:t>
+              <a:t>09-03-2024</a:t>
             </a:fld>
             <a:endParaRPr lang="en-IN"/>
           </a:p>
@@ -3564,7 +3564,7 @@
           <a:p>
             <a:fld id="{AED75D64-2596-4CD3-88B1-63A1A557245C}" type="datetimeFigureOut">
               <a:rPr lang="en-IN" smtClean="0"/>
-              <a:t>26-12-2023</a:t>
+              <a:t>09-03-2024</a:t>
             </a:fld>
             <a:endParaRPr lang="en-IN"/>
           </a:p>
@@ -3887,7 +3887,7 @@
           <a:p>
             <a:fld id="{AED75D64-2596-4CD3-88B1-63A1A557245C}" type="datetimeFigureOut">
               <a:rPr lang="en-IN" smtClean="0"/>
-              <a:t>26-12-2023</a:t>
+              <a:t>09-03-2024</a:t>
             </a:fld>
             <a:endParaRPr lang="en-IN"/>
           </a:p>
@@ -4344,7 +4344,7 @@
           <a:p>
             <a:fld id="{AED75D64-2596-4CD3-88B1-63A1A557245C}" type="datetimeFigureOut">
               <a:rPr lang="en-IN" smtClean="0"/>
-              <a:t>26-12-2023</a:t>
+              <a:t>09-03-2024</a:t>
             </a:fld>
             <a:endParaRPr lang="en-IN"/>
           </a:p>
@@ -4549,7 +4549,7 @@
           <a:p>
             <a:fld id="{AED75D64-2596-4CD3-88B1-63A1A557245C}" type="datetimeFigureOut">
               <a:rPr lang="en-IN" smtClean="0"/>
-              <a:t>26-12-2023</a:t>
+              <a:t>09-03-2024</a:t>
             </a:fld>
             <a:endParaRPr lang="en-IN"/>
           </a:p>
@@ -4726,7 +4726,7 @@
           <a:p>
             <a:fld id="{AED75D64-2596-4CD3-88B1-63A1A557245C}" type="datetimeFigureOut">
               <a:rPr lang="en-IN" smtClean="0"/>
-              <a:t>26-12-2023</a:t>
+              <a:t>09-03-2024</a:t>
             </a:fld>
             <a:endParaRPr lang="en-IN"/>
           </a:p>
@@ -5059,7 +5059,7 @@
           <a:p>
             <a:fld id="{AED75D64-2596-4CD3-88B1-63A1A557245C}" type="datetimeFigureOut">
               <a:rPr lang="en-IN" smtClean="0"/>
-              <a:t>26-12-2023</a:t>
+              <a:t>09-03-2024</a:t>
             </a:fld>
             <a:endParaRPr lang="en-IN"/>
           </a:p>
@@ -5404,7 +5404,7 @@
           <a:p>
             <a:fld id="{AED75D64-2596-4CD3-88B1-63A1A557245C}" type="datetimeFigureOut">
               <a:rPr lang="en-IN" smtClean="0"/>
-              <a:t>26-12-2023</a:t>
+              <a:t>09-03-2024</a:t>
             </a:fld>
             <a:endParaRPr lang="en-IN"/>
           </a:p>
@@ -7521,7 +7521,7 @@
           <a:p>
             <a:fld id="{AED75D64-2596-4CD3-88B1-63A1A557245C}" type="datetimeFigureOut">
               <a:rPr lang="en-IN" smtClean="0"/>
-              <a:t>26-12-2023</a:t>
+              <a:t>09-03-2024</a:t>
             </a:fld>
             <a:endParaRPr lang="en-IN"/>
           </a:p>

--- a/PCS24-19/project_ppt2.pptx
+++ b/PCS24-19/project_ppt2.pptx
@@ -207,7 +207,7 @@
           <a:p>
             <a:fld id="{E13B6DE8-89EB-4910-BE6E-A1D1FF0DA414}" type="datetimeFigureOut">
               <a:rPr lang="en-IN" smtClean="0"/>
-              <a:t>09-03-2024</a:t>
+              <a:t>30-10-2023</a:t>
             </a:fld>
             <a:endParaRPr lang="en-IN"/>
           </a:p>
@@ -663,7 +663,7 @@
           <a:p>
             <a:fld id="{AED75D64-2596-4CD3-88B1-63A1A557245C}" type="datetimeFigureOut">
               <a:rPr lang="en-IN" smtClean="0"/>
-              <a:t>09-03-2024</a:t>
+              <a:t>30-10-2023</a:t>
             </a:fld>
             <a:endParaRPr lang="en-IN"/>
           </a:p>
@@ -1001,7 +1001,7 @@
           <a:p>
             <a:fld id="{AED75D64-2596-4CD3-88B1-63A1A557245C}" type="datetimeFigureOut">
               <a:rPr lang="en-IN" smtClean="0"/>
-              <a:t>09-03-2024</a:t>
+              <a:t>30-10-2023</a:t>
             </a:fld>
             <a:endParaRPr lang="en-IN"/>
           </a:p>
@@ -1402,7 +1402,7 @@
           <a:p>
             <a:fld id="{AED75D64-2596-4CD3-88B1-63A1A557245C}" type="datetimeFigureOut">
               <a:rPr lang="en-IN" smtClean="0"/>
-              <a:t>09-03-2024</a:t>
+              <a:t>30-10-2023</a:t>
             </a:fld>
             <a:endParaRPr lang="en-IN"/>
           </a:p>
@@ -1738,7 +1738,7 @@
           <a:p>
             <a:fld id="{AED75D64-2596-4CD3-88B1-63A1A557245C}" type="datetimeFigureOut">
               <a:rPr lang="en-IN" smtClean="0"/>
-              <a:t>09-03-2024</a:t>
+              <a:t>30-10-2023</a:t>
             </a:fld>
             <a:endParaRPr lang="en-IN"/>
           </a:p>
@@ -2058,7 +2058,7 @@
           <a:p>
             <a:fld id="{AED75D64-2596-4CD3-88B1-63A1A557245C}" type="datetimeFigureOut">
               <a:rPr lang="en-IN" smtClean="0"/>
-              <a:t>09-03-2024</a:t>
+              <a:t>30-10-2023</a:t>
             </a:fld>
             <a:endParaRPr lang="en-IN"/>
           </a:p>
@@ -2454,7 +2454,7 @@
           <a:p>
             <a:fld id="{AED75D64-2596-4CD3-88B1-63A1A557245C}" type="datetimeFigureOut">
               <a:rPr lang="en-IN" smtClean="0"/>
-              <a:t>09-03-2024</a:t>
+              <a:t>30-10-2023</a:t>
             </a:fld>
             <a:endParaRPr lang="en-IN"/>
           </a:p>
@@ -2711,7 +2711,7 @@
           <a:p>
             <a:fld id="{AED75D64-2596-4CD3-88B1-63A1A557245C}" type="datetimeFigureOut">
               <a:rPr lang="en-IN" smtClean="0"/>
-              <a:t>09-03-2024</a:t>
+              <a:t>30-10-2023</a:t>
             </a:fld>
             <a:endParaRPr lang="en-IN"/>
           </a:p>
@@ -2973,7 +2973,7 @@
           <a:p>
             <a:fld id="{AED75D64-2596-4CD3-88B1-63A1A557245C}" type="datetimeFigureOut">
               <a:rPr lang="en-IN" smtClean="0"/>
-              <a:t>09-03-2024</a:t>
+              <a:t>30-10-2023</a:t>
             </a:fld>
             <a:endParaRPr lang="en-IN"/>
           </a:p>
@@ -3235,7 +3235,7 @@
           <a:p>
             <a:fld id="{AED75D64-2596-4CD3-88B1-63A1A557245C}" type="datetimeFigureOut">
               <a:rPr lang="en-IN" smtClean="0"/>
-              <a:t>09-03-2024</a:t>
+              <a:t>30-10-2023</a:t>
             </a:fld>
             <a:endParaRPr lang="en-IN"/>
           </a:p>
@@ -3564,7 +3564,7 @@
           <a:p>
             <a:fld id="{AED75D64-2596-4CD3-88B1-63A1A557245C}" type="datetimeFigureOut">
               <a:rPr lang="en-IN" smtClean="0"/>
-              <a:t>09-03-2024</a:t>
+              <a:t>30-10-2023</a:t>
             </a:fld>
             <a:endParaRPr lang="en-IN"/>
           </a:p>
@@ -3887,7 +3887,7 @@
           <a:p>
             <a:fld id="{AED75D64-2596-4CD3-88B1-63A1A557245C}" type="datetimeFigureOut">
               <a:rPr lang="en-IN" smtClean="0"/>
-              <a:t>09-03-2024</a:t>
+              <a:t>30-10-2023</a:t>
             </a:fld>
             <a:endParaRPr lang="en-IN"/>
           </a:p>
@@ -4344,7 +4344,7 @@
           <a:p>
             <a:fld id="{AED75D64-2596-4CD3-88B1-63A1A557245C}" type="datetimeFigureOut">
               <a:rPr lang="en-IN" smtClean="0"/>
-              <a:t>09-03-2024</a:t>
+              <a:t>30-10-2023</a:t>
             </a:fld>
             <a:endParaRPr lang="en-IN"/>
           </a:p>
@@ -4549,7 +4549,7 @@
           <a:p>
             <a:fld id="{AED75D64-2596-4CD3-88B1-63A1A557245C}" type="datetimeFigureOut">
               <a:rPr lang="en-IN" smtClean="0"/>
-              <a:t>09-03-2024</a:t>
+              <a:t>30-10-2023</a:t>
             </a:fld>
             <a:endParaRPr lang="en-IN"/>
           </a:p>
@@ -4726,7 +4726,7 @@
           <a:p>
             <a:fld id="{AED75D64-2596-4CD3-88B1-63A1A557245C}" type="datetimeFigureOut">
               <a:rPr lang="en-IN" smtClean="0"/>
-              <a:t>09-03-2024</a:t>
+              <a:t>30-10-2023</a:t>
             </a:fld>
             <a:endParaRPr lang="en-IN"/>
           </a:p>
@@ -5059,7 +5059,7 @@
           <a:p>
             <a:fld id="{AED75D64-2596-4CD3-88B1-63A1A557245C}" type="datetimeFigureOut">
               <a:rPr lang="en-IN" smtClean="0"/>
-              <a:t>09-03-2024</a:t>
+              <a:t>30-10-2023</a:t>
             </a:fld>
             <a:endParaRPr lang="en-IN"/>
           </a:p>
@@ -5404,7 +5404,7 @@
           <a:p>
             <a:fld id="{AED75D64-2596-4CD3-88B1-63A1A557245C}" type="datetimeFigureOut">
               <a:rPr lang="en-IN" smtClean="0"/>
-              <a:t>09-03-2024</a:t>
+              <a:t>30-10-2023</a:t>
             </a:fld>
             <a:endParaRPr lang="en-IN"/>
           </a:p>
@@ -7521,7 +7521,7 @@
           <a:p>
             <a:fld id="{AED75D64-2596-4CD3-88B1-63A1A557245C}" type="datetimeFigureOut">
               <a:rPr lang="en-IN" smtClean="0"/>
-              <a:t>09-03-2024</a:t>
+              <a:t>30-10-2023</a:t>
             </a:fld>
             <a:endParaRPr lang="en-IN"/>
           </a:p>
@@ -8580,7 +8580,7 @@
           <a:p>
             <a:r>
               <a:rPr lang="en-IN" dirty="0"/>
-              <a:t>Completed 100%</a:t>
+              <a:t>Completed 90%</a:t>
             </a:r>
           </a:p>
           <a:p>
